--- a/Managing Churn.pptx
+++ b/Managing Churn.pptx
@@ -6972,6 +6972,9 @@
               <a:t>Rohan</a:t>
             </a:r>
           </a:p>
+          <a:p>
+            <a:endParaRPr lang="en-US" dirty="0"/>
+          </a:p>
         </p:txBody>
       </p:sp>
     </p:spTree>
@@ -9448,26 +9451,94 @@
       </p:sp>
       <p:sp>
         <p:nvSpPr>
-          <p:cNvPr id="5" name="Subtitle 4">
+          <p:cNvPr id="2" name="Subtitle 1">
             <a:extLst>
               <a:ext uri="{FF2B5EF4-FFF2-40B4-BE49-F238E27FC236}">
-                <a16:creationId xmlns:a16="http://schemas.microsoft.com/office/drawing/2014/main" id="{795EF052-DE2E-28DB-DE22-3F86582F8F38}"/>
+                <a16:creationId xmlns:a16="http://schemas.microsoft.com/office/drawing/2014/main" id="{E13C1FAA-E625-ECFD-9243-8ADF4046B794}"/>
               </a:ext>
             </a:extLst>
           </p:cNvPr>
-          <p:cNvSpPr>
+          <p:cNvSpPr txBox="1">
             <a:spLocks noGrp="1"/>
           </p:cNvSpPr>
           <p:nvPr>
             <p:ph type="subTitle" idx="1"/>
           </p:nvPr>
         </p:nvSpPr>
-        <p:spPr/>
-        <p:txBody>
-          <a:bodyPr/>
+        <p:spPr>
+          <a:xfrm>
+            <a:off x="1371600" y="3632201"/>
+            <a:ext cx="7774885" cy="369332"/>
+          </a:xfrm>
+          <a:prstGeom prst="rect">
+            <a:avLst/>
+          </a:prstGeom>
+          <a:noFill/>
+        </p:spPr>
+        <p:txBody>
+          <a:bodyPr wrap="none" rtlCol="0">
+            <a:spAutoFit/>
+          </a:bodyPr>
           <a:lstStyle/>
           <a:p>
-            <a:endParaRPr lang="en-US"/>
+            <a:r>
+              <a:rPr lang="en-US" dirty="0">
+                <a:solidFill>
+                  <a:sysClr val="windowText" lastClr="000000"/>
+                </a:solidFill>
+              </a:rPr>
+              <a:t>Link: </a:t>
+            </a:r>
+            <a:r>
+              <a:rPr lang="en-US" dirty="0">
+                <a:solidFill>
+                  <a:sysClr val="windowText" lastClr="000000"/>
+                </a:solidFill>
+                <a:hlinkClick r:id="rId2"/>
+              </a:rPr>
+              <a:t>https://</a:t>
+            </a:r>
+            <a:r>
+              <a:rPr lang="en-US" dirty="0" err="1">
+                <a:solidFill>
+                  <a:sysClr val="windowText" lastClr="000000"/>
+                </a:solidFill>
+                <a:hlinkClick r:id="rId2"/>
+              </a:rPr>
+              <a:t>github.com</a:t>
+            </a:r>
+            <a:r>
+              <a:rPr lang="en-US" dirty="0">
+                <a:solidFill>
+                  <a:sysClr val="windowText" lastClr="000000"/>
+                </a:solidFill>
+                <a:hlinkClick r:id="rId2"/>
+              </a:rPr>
+              <a:t>/</a:t>
+            </a:r>
+            <a:r>
+              <a:rPr lang="en-US" dirty="0" err="1">
+                <a:solidFill>
+                  <a:sysClr val="windowText" lastClr="000000"/>
+                </a:solidFill>
+                <a:hlinkClick r:id="rId2"/>
+              </a:rPr>
+              <a:t>balrammirani</a:t>
+            </a:r>
+            <a:r>
+              <a:rPr lang="en-US" dirty="0">
+                <a:solidFill>
+                  <a:sysClr val="windowText" lastClr="000000"/>
+                </a:solidFill>
+                <a:hlinkClick r:id="rId2"/>
+              </a:rPr>
+              <a:t>/BuildersCamp_Hack23</a:t>
+            </a:r>
+            <a:endParaRPr lang="en-US" dirty="0">
+              <a:solidFill>
+                <a:sysClr val="windowText" lastClr="000000"/>
+              </a:solidFill>
+            </a:endParaRPr>
           </a:p>
         </p:txBody>
       </p:sp>
